--- a/Apacze_projekt_old.pptx
+++ b/Apacze_projekt_old.pptx
@@ -252,7 +252,7 @@
           <a:p>
             <a:fld id="{F0453384-F5B2-430A-8660-52C468AD2336}" type="datetimeFigureOut">
               <a:rPr lang="en-US" smtClean="0"/>
-              <a:t>1/6/19</a:t>
+              <a:t>1/9/19</a:t>
             </a:fld>
             <a:endParaRPr lang="en-US"/>
           </a:p>
@@ -420,7 +420,7 @@
           <a:p>
             <a:fld id="{F0453384-F5B2-430A-8660-52C468AD2336}" type="datetimeFigureOut">
               <a:rPr lang="en-US" smtClean="0"/>
-              <a:t>1/6/19</a:t>
+              <a:t>1/9/19</a:t>
             </a:fld>
             <a:endParaRPr lang="en-US"/>
           </a:p>
@@ -598,7 +598,7 @@
           <a:p>
             <a:fld id="{F0453384-F5B2-430A-8660-52C468AD2336}" type="datetimeFigureOut">
               <a:rPr lang="en-US" smtClean="0"/>
-              <a:t>1/6/19</a:t>
+              <a:t>1/9/19</a:t>
             </a:fld>
             <a:endParaRPr lang="en-US"/>
           </a:p>
@@ -766,7 +766,7 @@
           <a:p>
             <a:fld id="{F0453384-F5B2-430A-8660-52C468AD2336}" type="datetimeFigureOut">
               <a:rPr lang="en-US" smtClean="0"/>
-              <a:t>1/6/19</a:t>
+              <a:t>1/9/19</a:t>
             </a:fld>
             <a:endParaRPr lang="en-US"/>
           </a:p>
@@ -1011,7 +1011,7 @@
           <a:p>
             <a:fld id="{F0453384-F5B2-430A-8660-52C468AD2336}" type="datetimeFigureOut">
               <a:rPr lang="en-US" smtClean="0"/>
-              <a:t>1/6/19</a:t>
+              <a:t>1/9/19</a:t>
             </a:fld>
             <a:endParaRPr lang="en-US"/>
           </a:p>
@@ -1240,7 +1240,7 @@
           <a:p>
             <a:fld id="{F0453384-F5B2-430A-8660-52C468AD2336}" type="datetimeFigureOut">
               <a:rPr lang="en-US" smtClean="0"/>
-              <a:t>1/6/19</a:t>
+              <a:t>1/9/19</a:t>
             </a:fld>
             <a:endParaRPr lang="en-US"/>
           </a:p>
@@ -1604,7 +1604,7 @@
           <a:p>
             <a:fld id="{F0453384-F5B2-430A-8660-52C468AD2336}" type="datetimeFigureOut">
               <a:rPr lang="en-US" smtClean="0"/>
-              <a:t>1/6/19</a:t>
+              <a:t>1/9/19</a:t>
             </a:fld>
             <a:endParaRPr lang="en-US"/>
           </a:p>
@@ -1721,7 +1721,7 @@
           <a:p>
             <a:fld id="{F0453384-F5B2-430A-8660-52C468AD2336}" type="datetimeFigureOut">
               <a:rPr lang="en-US" smtClean="0"/>
-              <a:t>1/6/19</a:t>
+              <a:t>1/9/19</a:t>
             </a:fld>
             <a:endParaRPr lang="en-US"/>
           </a:p>
@@ -1816,7 +1816,7 @@
           <a:p>
             <a:fld id="{F0453384-F5B2-430A-8660-52C468AD2336}" type="datetimeFigureOut">
               <a:rPr lang="en-US" smtClean="0"/>
-              <a:t>1/6/19</a:t>
+              <a:t>1/9/19</a:t>
             </a:fld>
             <a:endParaRPr lang="en-US"/>
           </a:p>
@@ -2091,7 +2091,7 @@
           <a:p>
             <a:fld id="{F0453384-F5B2-430A-8660-52C468AD2336}" type="datetimeFigureOut">
               <a:rPr lang="en-US" smtClean="0"/>
-              <a:t>1/6/19</a:t>
+              <a:t>1/9/19</a:t>
             </a:fld>
             <a:endParaRPr lang="en-US"/>
           </a:p>
@@ -2343,7 +2343,7 @@
           <a:p>
             <a:fld id="{F0453384-F5B2-430A-8660-52C468AD2336}" type="datetimeFigureOut">
               <a:rPr lang="en-US" smtClean="0"/>
-              <a:t>1/6/19</a:t>
+              <a:t>1/9/19</a:t>
             </a:fld>
             <a:endParaRPr lang="en-US"/>
           </a:p>
@@ -2554,7 +2554,7 @@
           <a:p>
             <a:fld id="{F0453384-F5B2-430A-8660-52C468AD2336}" type="datetimeFigureOut">
               <a:rPr lang="en-US" smtClean="0"/>
-              <a:t>1/6/19</a:t>
+              <a:t>1/9/19</a:t>
             </a:fld>
             <a:endParaRPr lang="en-US"/>
           </a:p>
@@ -4732,7 +4732,15 @@
             </a:pPr>
             <a:r>
               <a:rPr lang="pl-PL" dirty="0"/>
-              <a:t>	wykres 5.2. partner</a:t>
+              <a:t>	</a:t>
+            </a:r>
+            <a:r>
+              <a:rPr lang="pl-PL" dirty="0">
+                <a:solidFill>
+                  <a:srgbClr val="00B050"/>
+                </a:solidFill>
+              </a:rPr>
+              <a:t>wykres 5.2. partner</a:t>
             </a:r>
           </a:p>
           <a:p>
@@ -4740,7 +4748,11 @@
               <a:buNone/>
             </a:pPr>
             <a:r>
-              <a:rPr lang="pl-PL" dirty="0"/>
+              <a:rPr lang="pl-PL" dirty="0">
+                <a:solidFill>
+                  <a:srgbClr val="00B050"/>
+                </a:solidFill>
+              </a:rPr>
               <a:t>	wykres 5.3. kraj</a:t>
             </a:r>
           </a:p>
